--- a/ppt 16-9/1061.不管有什么环.pptx
+++ b/ppt 16-9/1061.不管有什么环.pptx
@@ -129,7 +129,7 @@
           <p:cNvPr id="2" name="标题 1">
             <a:extLst>
               <a:ext uri="{FF2B5EF4-FFF2-40B4-BE49-F238E27FC236}">
-                <a16:creationId xmlns:a16="http://schemas.microsoft.com/office/drawing/2014/main" id="{3D1064EB-2154-5A2B-0FEC-FC33FAAE5C35}"/>
+                <a16:creationId xmlns:a16="http://schemas.microsoft.com/office/drawing/2014/main" id="{7ED200E7-96C7-BC85-0055-76BE1699A4C8}"/>
               </a:ext>
             </a:extLst>
           </p:cNvPr>
@@ -166,7 +166,7 @@
           <p:cNvPr id="3" name="副标题 2">
             <a:extLst>
               <a:ext uri="{FF2B5EF4-FFF2-40B4-BE49-F238E27FC236}">
-                <a16:creationId xmlns:a16="http://schemas.microsoft.com/office/drawing/2014/main" id="{5662065A-37DE-E960-318E-D94346E23DD7}"/>
+                <a16:creationId xmlns:a16="http://schemas.microsoft.com/office/drawing/2014/main" id="{B3A339B1-8727-77CA-58E5-BCFA970C1FBE}"/>
               </a:ext>
             </a:extLst>
           </p:cNvPr>
@@ -236,7 +236,7 @@
           <p:cNvPr id="4" name="日期占位符 3">
             <a:extLst>
               <a:ext uri="{FF2B5EF4-FFF2-40B4-BE49-F238E27FC236}">
-                <a16:creationId xmlns:a16="http://schemas.microsoft.com/office/drawing/2014/main" id="{2A3F26DC-13CF-71D7-43FE-1E70FD003DEA}"/>
+                <a16:creationId xmlns:a16="http://schemas.microsoft.com/office/drawing/2014/main" id="{1FC59F21-B361-F818-4F79-4D1715E318B8}"/>
               </a:ext>
             </a:extLst>
           </p:cNvPr>
@@ -252,7 +252,7 @@
           <a:bodyPr/>
           <a:lstStyle/>
           <a:p>
-            <a:fld id="{2860CA3B-FC83-44D5-92B5-B40A92ECA5A2}" type="datetimeFigureOut">
+            <a:fld id="{8D72A439-7966-4EA2-BA92-8E54B34D4AB0}" type="datetimeFigureOut">
               <a:rPr lang="zh-CN" altLang="en-US" smtClean="0"/>
               <a:t>2024/3/10</a:t>
             </a:fld>
@@ -265,7 +265,7 @@
           <p:cNvPr id="5" name="页脚占位符 4">
             <a:extLst>
               <a:ext uri="{FF2B5EF4-FFF2-40B4-BE49-F238E27FC236}">
-                <a16:creationId xmlns:a16="http://schemas.microsoft.com/office/drawing/2014/main" id="{429C2BEE-59F6-0194-659E-F38BB63D749E}"/>
+                <a16:creationId xmlns:a16="http://schemas.microsoft.com/office/drawing/2014/main" id="{C58BFCB1-EF46-AA7E-97EC-E031A9D65627}"/>
               </a:ext>
             </a:extLst>
           </p:cNvPr>
@@ -290,7 +290,7 @@
           <p:cNvPr id="6" name="灯片编号占位符 5">
             <a:extLst>
               <a:ext uri="{FF2B5EF4-FFF2-40B4-BE49-F238E27FC236}">
-                <a16:creationId xmlns:a16="http://schemas.microsoft.com/office/drawing/2014/main" id="{26692F10-72F6-C4AF-A2C8-B13891DC8E89}"/>
+                <a16:creationId xmlns:a16="http://schemas.microsoft.com/office/drawing/2014/main" id="{40907911-55B0-57F2-89CC-F7E6E24A2AB2}"/>
               </a:ext>
             </a:extLst>
           </p:cNvPr>
@@ -306,7 +306,7 @@
           <a:bodyPr/>
           <a:lstStyle/>
           <a:p>
-            <a:fld id="{EC72F86E-3271-4231-BE8E-6C10F592FA3A}" type="slidenum">
+            <a:fld id="{1A58A3BE-7E89-47CD-8413-8ADC15BCC46C}" type="slidenum">
               <a:rPr lang="zh-CN" altLang="en-US" smtClean="0"/>
               <a:t>‹#›</a:t>
             </a:fld>
@@ -317,7 +317,7 @@
     </p:spTree>
     <p:extLst>
       <p:ext uri="{BB962C8B-B14F-4D97-AF65-F5344CB8AC3E}">
-        <p14:creationId xmlns:p14="http://schemas.microsoft.com/office/powerpoint/2010/main" val="2566119615"/>
+        <p14:creationId xmlns:p14="http://schemas.microsoft.com/office/powerpoint/2010/main" val="38532448"/>
       </p:ext>
     </p:extLst>
   </p:cSld>
@@ -349,7 +349,7 @@
           <p:cNvPr id="2" name="标题 1">
             <a:extLst>
               <a:ext uri="{FF2B5EF4-FFF2-40B4-BE49-F238E27FC236}">
-                <a16:creationId xmlns:a16="http://schemas.microsoft.com/office/drawing/2014/main" id="{B4E4AAAD-9805-1E7A-7243-1496E7E06469}"/>
+                <a16:creationId xmlns:a16="http://schemas.microsoft.com/office/drawing/2014/main" id="{E2929DC7-F49E-383F-EA49-523B4522131D}"/>
               </a:ext>
             </a:extLst>
           </p:cNvPr>
@@ -377,7 +377,7 @@
           <p:cNvPr id="3" name="竖排文字占位符 2">
             <a:extLst>
               <a:ext uri="{FF2B5EF4-FFF2-40B4-BE49-F238E27FC236}">
-                <a16:creationId xmlns:a16="http://schemas.microsoft.com/office/drawing/2014/main" id="{E2ED199B-CAFE-1335-31FE-9B37515881D0}"/>
+                <a16:creationId xmlns:a16="http://schemas.microsoft.com/office/drawing/2014/main" id="{4C0362CD-47BE-6EE9-9B0F-A2EEB9A13138}"/>
               </a:ext>
             </a:extLst>
           </p:cNvPr>
@@ -434,7 +434,7 @@
           <p:cNvPr id="4" name="日期占位符 3">
             <a:extLst>
               <a:ext uri="{FF2B5EF4-FFF2-40B4-BE49-F238E27FC236}">
-                <a16:creationId xmlns:a16="http://schemas.microsoft.com/office/drawing/2014/main" id="{96724B48-E148-996D-68A9-BC8F2D9D4D2A}"/>
+                <a16:creationId xmlns:a16="http://schemas.microsoft.com/office/drawing/2014/main" id="{8449336A-1595-8041-65CF-B48235E98C18}"/>
               </a:ext>
             </a:extLst>
           </p:cNvPr>
@@ -450,7 +450,7 @@
           <a:bodyPr/>
           <a:lstStyle/>
           <a:p>
-            <a:fld id="{2860CA3B-FC83-44D5-92B5-B40A92ECA5A2}" type="datetimeFigureOut">
+            <a:fld id="{8D72A439-7966-4EA2-BA92-8E54B34D4AB0}" type="datetimeFigureOut">
               <a:rPr lang="zh-CN" altLang="en-US" smtClean="0"/>
               <a:t>2024/3/10</a:t>
             </a:fld>
@@ -463,7 +463,7 @@
           <p:cNvPr id="5" name="页脚占位符 4">
             <a:extLst>
               <a:ext uri="{FF2B5EF4-FFF2-40B4-BE49-F238E27FC236}">
-                <a16:creationId xmlns:a16="http://schemas.microsoft.com/office/drawing/2014/main" id="{B6C9B762-D9C8-E57F-F4E7-C5750B6B9004}"/>
+                <a16:creationId xmlns:a16="http://schemas.microsoft.com/office/drawing/2014/main" id="{C8959A69-D521-8DA7-A175-0508C16419E4}"/>
               </a:ext>
             </a:extLst>
           </p:cNvPr>
@@ -488,7 +488,7 @@
           <p:cNvPr id="6" name="灯片编号占位符 5">
             <a:extLst>
               <a:ext uri="{FF2B5EF4-FFF2-40B4-BE49-F238E27FC236}">
-                <a16:creationId xmlns:a16="http://schemas.microsoft.com/office/drawing/2014/main" id="{7E35D206-B1DC-61A8-AFA1-28D9B7BA555A}"/>
+                <a16:creationId xmlns:a16="http://schemas.microsoft.com/office/drawing/2014/main" id="{4924A62A-3B6F-DBB9-10AF-CAD4242A4230}"/>
               </a:ext>
             </a:extLst>
           </p:cNvPr>
@@ -504,7 +504,7 @@
           <a:bodyPr/>
           <a:lstStyle/>
           <a:p>
-            <a:fld id="{EC72F86E-3271-4231-BE8E-6C10F592FA3A}" type="slidenum">
+            <a:fld id="{1A58A3BE-7E89-47CD-8413-8ADC15BCC46C}" type="slidenum">
               <a:rPr lang="zh-CN" altLang="en-US" smtClean="0"/>
               <a:t>‹#›</a:t>
             </a:fld>
@@ -515,7 +515,7 @@
     </p:spTree>
     <p:extLst>
       <p:ext uri="{BB962C8B-B14F-4D97-AF65-F5344CB8AC3E}">
-        <p14:creationId xmlns:p14="http://schemas.microsoft.com/office/powerpoint/2010/main" val="4275971285"/>
+        <p14:creationId xmlns:p14="http://schemas.microsoft.com/office/powerpoint/2010/main" val="2172791871"/>
       </p:ext>
     </p:extLst>
   </p:cSld>
@@ -547,7 +547,7 @@
           <p:cNvPr id="2" name="竖排标题 1">
             <a:extLst>
               <a:ext uri="{FF2B5EF4-FFF2-40B4-BE49-F238E27FC236}">
-                <a16:creationId xmlns:a16="http://schemas.microsoft.com/office/drawing/2014/main" id="{5898F8F7-ACB5-97C4-EBE1-EED4641A20FF}"/>
+                <a16:creationId xmlns:a16="http://schemas.microsoft.com/office/drawing/2014/main" id="{BF6A58D3-A721-8F5E-24D5-8AC65973BE83}"/>
               </a:ext>
             </a:extLst>
           </p:cNvPr>
@@ -580,7 +580,7 @@
           <p:cNvPr id="3" name="竖排文字占位符 2">
             <a:extLst>
               <a:ext uri="{FF2B5EF4-FFF2-40B4-BE49-F238E27FC236}">
-                <a16:creationId xmlns:a16="http://schemas.microsoft.com/office/drawing/2014/main" id="{A182FC7D-585C-7737-ABC8-102284D09174}"/>
+                <a16:creationId xmlns:a16="http://schemas.microsoft.com/office/drawing/2014/main" id="{2F049487-5453-58E1-6548-F5AAC35BEB43}"/>
               </a:ext>
             </a:extLst>
           </p:cNvPr>
@@ -642,7 +642,7 @@
           <p:cNvPr id="4" name="日期占位符 3">
             <a:extLst>
               <a:ext uri="{FF2B5EF4-FFF2-40B4-BE49-F238E27FC236}">
-                <a16:creationId xmlns:a16="http://schemas.microsoft.com/office/drawing/2014/main" id="{7FD38C7C-DB6F-CC4C-AC2C-4582EC0F20DD}"/>
+                <a16:creationId xmlns:a16="http://schemas.microsoft.com/office/drawing/2014/main" id="{985050C4-957F-71C2-945F-32B861113725}"/>
               </a:ext>
             </a:extLst>
           </p:cNvPr>
@@ -658,7 +658,7 @@
           <a:bodyPr/>
           <a:lstStyle/>
           <a:p>
-            <a:fld id="{2860CA3B-FC83-44D5-92B5-B40A92ECA5A2}" type="datetimeFigureOut">
+            <a:fld id="{8D72A439-7966-4EA2-BA92-8E54B34D4AB0}" type="datetimeFigureOut">
               <a:rPr lang="zh-CN" altLang="en-US" smtClean="0"/>
               <a:t>2024/3/10</a:t>
             </a:fld>
@@ -671,7 +671,7 @@
           <p:cNvPr id="5" name="页脚占位符 4">
             <a:extLst>
               <a:ext uri="{FF2B5EF4-FFF2-40B4-BE49-F238E27FC236}">
-                <a16:creationId xmlns:a16="http://schemas.microsoft.com/office/drawing/2014/main" id="{AF878D17-54BB-1D26-1F6B-A8D1D34215DE}"/>
+                <a16:creationId xmlns:a16="http://schemas.microsoft.com/office/drawing/2014/main" id="{38FF1D71-F449-40D8-2027-054C8ACF0D82}"/>
               </a:ext>
             </a:extLst>
           </p:cNvPr>
@@ -696,7 +696,7 @@
           <p:cNvPr id="6" name="灯片编号占位符 5">
             <a:extLst>
               <a:ext uri="{FF2B5EF4-FFF2-40B4-BE49-F238E27FC236}">
-                <a16:creationId xmlns:a16="http://schemas.microsoft.com/office/drawing/2014/main" id="{EE3D0A56-E28D-9590-DE20-CDACF710E009}"/>
+                <a16:creationId xmlns:a16="http://schemas.microsoft.com/office/drawing/2014/main" id="{A498114A-178A-208B-6E07-71A6878C3BF9}"/>
               </a:ext>
             </a:extLst>
           </p:cNvPr>
@@ -712,7 +712,7 @@
           <a:bodyPr/>
           <a:lstStyle/>
           <a:p>
-            <a:fld id="{EC72F86E-3271-4231-BE8E-6C10F592FA3A}" type="slidenum">
+            <a:fld id="{1A58A3BE-7E89-47CD-8413-8ADC15BCC46C}" type="slidenum">
               <a:rPr lang="zh-CN" altLang="en-US" smtClean="0"/>
               <a:t>‹#›</a:t>
             </a:fld>
@@ -723,7 +723,7 @@
     </p:spTree>
     <p:extLst>
       <p:ext uri="{BB962C8B-B14F-4D97-AF65-F5344CB8AC3E}">
-        <p14:creationId xmlns:p14="http://schemas.microsoft.com/office/powerpoint/2010/main" val="2444800410"/>
+        <p14:creationId xmlns:p14="http://schemas.microsoft.com/office/powerpoint/2010/main" val="1279462455"/>
       </p:ext>
     </p:extLst>
   </p:cSld>
@@ -755,7 +755,7 @@
           <p:cNvPr id="2" name="标题 1">
             <a:extLst>
               <a:ext uri="{FF2B5EF4-FFF2-40B4-BE49-F238E27FC236}">
-                <a16:creationId xmlns:a16="http://schemas.microsoft.com/office/drawing/2014/main" id="{DBBE74C0-DBB8-58D9-8129-16DB90A7D30F}"/>
+                <a16:creationId xmlns:a16="http://schemas.microsoft.com/office/drawing/2014/main" id="{E7D11E45-8B1B-802F-14B0-AE5E2416873F}"/>
               </a:ext>
             </a:extLst>
           </p:cNvPr>
@@ -783,7 +783,7 @@
           <p:cNvPr id="3" name="内容占位符 2">
             <a:extLst>
               <a:ext uri="{FF2B5EF4-FFF2-40B4-BE49-F238E27FC236}">
-                <a16:creationId xmlns:a16="http://schemas.microsoft.com/office/drawing/2014/main" id="{A433FF71-9932-9D7C-32F3-19A52C414432}"/>
+                <a16:creationId xmlns:a16="http://schemas.microsoft.com/office/drawing/2014/main" id="{363FEE21-432A-2ED6-239D-22F71BE2FA20}"/>
               </a:ext>
             </a:extLst>
           </p:cNvPr>
@@ -840,7 +840,7 @@
           <p:cNvPr id="4" name="日期占位符 3">
             <a:extLst>
               <a:ext uri="{FF2B5EF4-FFF2-40B4-BE49-F238E27FC236}">
-                <a16:creationId xmlns:a16="http://schemas.microsoft.com/office/drawing/2014/main" id="{2F4E5401-2C1D-54E9-2C82-F52F8031008B}"/>
+                <a16:creationId xmlns:a16="http://schemas.microsoft.com/office/drawing/2014/main" id="{E809CC01-C812-6238-ECE0-F5859A12D26C}"/>
               </a:ext>
             </a:extLst>
           </p:cNvPr>
@@ -856,7 +856,7 @@
           <a:bodyPr/>
           <a:lstStyle/>
           <a:p>
-            <a:fld id="{2860CA3B-FC83-44D5-92B5-B40A92ECA5A2}" type="datetimeFigureOut">
+            <a:fld id="{8D72A439-7966-4EA2-BA92-8E54B34D4AB0}" type="datetimeFigureOut">
               <a:rPr lang="zh-CN" altLang="en-US" smtClean="0"/>
               <a:t>2024/3/10</a:t>
             </a:fld>
@@ -869,7 +869,7 @@
           <p:cNvPr id="5" name="页脚占位符 4">
             <a:extLst>
               <a:ext uri="{FF2B5EF4-FFF2-40B4-BE49-F238E27FC236}">
-                <a16:creationId xmlns:a16="http://schemas.microsoft.com/office/drawing/2014/main" id="{53CF9581-06D9-7E7B-2164-B063F63FA558}"/>
+                <a16:creationId xmlns:a16="http://schemas.microsoft.com/office/drawing/2014/main" id="{E812D80C-54A8-CE16-C201-C818284E06BD}"/>
               </a:ext>
             </a:extLst>
           </p:cNvPr>
@@ -894,7 +894,7 @@
           <p:cNvPr id="6" name="灯片编号占位符 5">
             <a:extLst>
               <a:ext uri="{FF2B5EF4-FFF2-40B4-BE49-F238E27FC236}">
-                <a16:creationId xmlns:a16="http://schemas.microsoft.com/office/drawing/2014/main" id="{18BD0C7C-4F37-AF60-756E-1F5DF072C039}"/>
+                <a16:creationId xmlns:a16="http://schemas.microsoft.com/office/drawing/2014/main" id="{69C0C55E-B508-EA9E-CAEB-EFA87D7B500F}"/>
               </a:ext>
             </a:extLst>
           </p:cNvPr>
@@ -910,7 +910,7 @@
           <a:bodyPr/>
           <a:lstStyle/>
           <a:p>
-            <a:fld id="{EC72F86E-3271-4231-BE8E-6C10F592FA3A}" type="slidenum">
+            <a:fld id="{1A58A3BE-7E89-47CD-8413-8ADC15BCC46C}" type="slidenum">
               <a:rPr lang="zh-CN" altLang="en-US" smtClean="0"/>
               <a:t>‹#›</a:t>
             </a:fld>
@@ -921,7 +921,7 @@
     </p:spTree>
     <p:extLst>
       <p:ext uri="{BB962C8B-B14F-4D97-AF65-F5344CB8AC3E}">
-        <p14:creationId xmlns:p14="http://schemas.microsoft.com/office/powerpoint/2010/main" val="320355804"/>
+        <p14:creationId xmlns:p14="http://schemas.microsoft.com/office/powerpoint/2010/main" val="1479503911"/>
       </p:ext>
     </p:extLst>
   </p:cSld>
@@ -953,7 +953,7 @@
           <p:cNvPr id="2" name="标题 1">
             <a:extLst>
               <a:ext uri="{FF2B5EF4-FFF2-40B4-BE49-F238E27FC236}">
-                <a16:creationId xmlns:a16="http://schemas.microsoft.com/office/drawing/2014/main" id="{826C3671-7B33-4DBB-9E71-603731501904}"/>
+                <a16:creationId xmlns:a16="http://schemas.microsoft.com/office/drawing/2014/main" id="{DDB11710-7AC5-A6FB-6798-EC7D46FA5BDB}"/>
               </a:ext>
             </a:extLst>
           </p:cNvPr>
@@ -990,7 +990,7 @@
           <p:cNvPr id="3" name="文本占位符 2">
             <a:extLst>
               <a:ext uri="{FF2B5EF4-FFF2-40B4-BE49-F238E27FC236}">
-                <a16:creationId xmlns:a16="http://schemas.microsoft.com/office/drawing/2014/main" id="{481D8CEC-0B91-523E-492A-001D2D5BCC1B}"/>
+                <a16:creationId xmlns:a16="http://schemas.microsoft.com/office/drawing/2014/main" id="{21004D66-9492-7313-B21E-B93D159A4C13}"/>
               </a:ext>
             </a:extLst>
           </p:cNvPr>
@@ -1115,7 +1115,7 @@
           <p:cNvPr id="4" name="日期占位符 3">
             <a:extLst>
               <a:ext uri="{FF2B5EF4-FFF2-40B4-BE49-F238E27FC236}">
-                <a16:creationId xmlns:a16="http://schemas.microsoft.com/office/drawing/2014/main" id="{CA25CF50-3011-5F83-580C-771B4483C2F5}"/>
+                <a16:creationId xmlns:a16="http://schemas.microsoft.com/office/drawing/2014/main" id="{391F6D9C-5FD7-02EB-5D3E-2359E6709C47}"/>
               </a:ext>
             </a:extLst>
           </p:cNvPr>
@@ -1131,7 +1131,7 @@
           <a:bodyPr/>
           <a:lstStyle/>
           <a:p>
-            <a:fld id="{2860CA3B-FC83-44D5-92B5-B40A92ECA5A2}" type="datetimeFigureOut">
+            <a:fld id="{8D72A439-7966-4EA2-BA92-8E54B34D4AB0}" type="datetimeFigureOut">
               <a:rPr lang="zh-CN" altLang="en-US" smtClean="0"/>
               <a:t>2024/3/10</a:t>
             </a:fld>
@@ -1144,7 +1144,7 @@
           <p:cNvPr id="5" name="页脚占位符 4">
             <a:extLst>
               <a:ext uri="{FF2B5EF4-FFF2-40B4-BE49-F238E27FC236}">
-                <a16:creationId xmlns:a16="http://schemas.microsoft.com/office/drawing/2014/main" id="{D749FD40-ACC2-44D8-7220-5B3C76BF1D46}"/>
+                <a16:creationId xmlns:a16="http://schemas.microsoft.com/office/drawing/2014/main" id="{CD2FECB5-4E60-2EE6-411E-ACF0484545BC}"/>
               </a:ext>
             </a:extLst>
           </p:cNvPr>
@@ -1169,7 +1169,7 @@
           <p:cNvPr id="6" name="灯片编号占位符 5">
             <a:extLst>
               <a:ext uri="{FF2B5EF4-FFF2-40B4-BE49-F238E27FC236}">
-                <a16:creationId xmlns:a16="http://schemas.microsoft.com/office/drawing/2014/main" id="{CB0566A7-8F65-0D07-2083-25D4C4502A4C}"/>
+                <a16:creationId xmlns:a16="http://schemas.microsoft.com/office/drawing/2014/main" id="{07C9A95D-1341-12C1-A7C4-0E6F5DAC7BA0}"/>
               </a:ext>
             </a:extLst>
           </p:cNvPr>
@@ -1185,7 +1185,7 @@
           <a:bodyPr/>
           <a:lstStyle/>
           <a:p>
-            <a:fld id="{EC72F86E-3271-4231-BE8E-6C10F592FA3A}" type="slidenum">
+            <a:fld id="{1A58A3BE-7E89-47CD-8413-8ADC15BCC46C}" type="slidenum">
               <a:rPr lang="zh-CN" altLang="en-US" smtClean="0"/>
               <a:t>‹#›</a:t>
             </a:fld>
@@ -1196,7 +1196,7 @@
     </p:spTree>
     <p:extLst>
       <p:ext uri="{BB962C8B-B14F-4D97-AF65-F5344CB8AC3E}">
-        <p14:creationId xmlns:p14="http://schemas.microsoft.com/office/powerpoint/2010/main" val="744371535"/>
+        <p14:creationId xmlns:p14="http://schemas.microsoft.com/office/powerpoint/2010/main" val="1460928770"/>
       </p:ext>
     </p:extLst>
   </p:cSld>
@@ -1228,7 +1228,7 @@
           <p:cNvPr id="2" name="标题 1">
             <a:extLst>
               <a:ext uri="{FF2B5EF4-FFF2-40B4-BE49-F238E27FC236}">
-                <a16:creationId xmlns:a16="http://schemas.microsoft.com/office/drawing/2014/main" id="{CFBADAF2-11D7-E829-0750-88407075D094}"/>
+                <a16:creationId xmlns:a16="http://schemas.microsoft.com/office/drawing/2014/main" id="{022E8C15-2755-659D-7289-1AB1BA1784CE}"/>
               </a:ext>
             </a:extLst>
           </p:cNvPr>
@@ -1256,7 +1256,7 @@
           <p:cNvPr id="3" name="内容占位符 2">
             <a:extLst>
               <a:ext uri="{FF2B5EF4-FFF2-40B4-BE49-F238E27FC236}">
-                <a16:creationId xmlns:a16="http://schemas.microsoft.com/office/drawing/2014/main" id="{20DD59EB-5C63-06E5-5423-27E25565E4BB}"/>
+                <a16:creationId xmlns:a16="http://schemas.microsoft.com/office/drawing/2014/main" id="{7406D33D-5DDC-8A6C-856E-AF3F45C023EF}"/>
               </a:ext>
             </a:extLst>
           </p:cNvPr>
@@ -1318,7 +1318,7 @@
           <p:cNvPr id="4" name="内容占位符 3">
             <a:extLst>
               <a:ext uri="{FF2B5EF4-FFF2-40B4-BE49-F238E27FC236}">
-                <a16:creationId xmlns:a16="http://schemas.microsoft.com/office/drawing/2014/main" id="{F10C3C39-3C53-7F47-1FF4-98E6A7FC63CB}"/>
+                <a16:creationId xmlns:a16="http://schemas.microsoft.com/office/drawing/2014/main" id="{8A33737A-C1B8-717B-6B70-D57744ABEB5D}"/>
               </a:ext>
             </a:extLst>
           </p:cNvPr>
@@ -1380,7 +1380,7 @@
           <p:cNvPr id="5" name="日期占位符 4">
             <a:extLst>
               <a:ext uri="{FF2B5EF4-FFF2-40B4-BE49-F238E27FC236}">
-                <a16:creationId xmlns:a16="http://schemas.microsoft.com/office/drawing/2014/main" id="{49BD336E-D8E8-19D1-7A03-1990AF96855C}"/>
+                <a16:creationId xmlns:a16="http://schemas.microsoft.com/office/drawing/2014/main" id="{6AD725D9-1F9B-6116-5971-313A19DF8C41}"/>
               </a:ext>
             </a:extLst>
           </p:cNvPr>
@@ -1396,7 +1396,7 @@
           <a:bodyPr/>
           <a:lstStyle/>
           <a:p>
-            <a:fld id="{2860CA3B-FC83-44D5-92B5-B40A92ECA5A2}" type="datetimeFigureOut">
+            <a:fld id="{8D72A439-7966-4EA2-BA92-8E54B34D4AB0}" type="datetimeFigureOut">
               <a:rPr lang="zh-CN" altLang="en-US" smtClean="0"/>
               <a:t>2024/3/10</a:t>
             </a:fld>
@@ -1409,7 +1409,7 @@
           <p:cNvPr id="6" name="页脚占位符 5">
             <a:extLst>
               <a:ext uri="{FF2B5EF4-FFF2-40B4-BE49-F238E27FC236}">
-                <a16:creationId xmlns:a16="http://schemas.microsoft.com/office/drawing/2014/main" id="{81ACF46D-E966-FD6B-978C-68AFE47E1C68}"/>
+                <a16:creationId xmlns:a16="http://schemas.microsoft.com/office/drawing/2014/main" id="{73DCC0F0-4436-F5E1-8E50-730917E08D6C}"/>
               </a:ext>
             </a:extLst>
           </p:cNvPr>
@@ -1434,7 +1434,7 @@
           <p:cNvPr id="7" name="灯片编号占位符 6">
             <a:extLst>
               <a:ext uri="{FF2B5EF4-FFF2-40B4-BE49-F238E27FC236}">
-                <a16:creationId xmlns:a16="http://schemas.microsoft.com/office/drawing/2014/main" id="{6679A6FE-9BDE-41FD-68D7-72023F98391B}"/>
+                <a16:creationId xmlns:a16="http://schemas.microsoft.com/office/drawing/2014/main" id="{5D9C8F2B-7D1A-8D9D-589B-E8CC8A8FEC02}"/>
               </a:ext>
             </a:extLst>
           </p:cNvPr>
@@ -1450,7 +1450,7 @@
           <a:bodyPr/>
           <a:lstStyle/>
           <a:p>
-            <a:fld id="{EC72F86E-3271-4231-BE8E-6C10F592FA3A}" type="slidenum">
+            <a:fld id="{1A58A3BE-7E89-47CD-8413-8ADC15BCC46C}" type="slidenum">
               <a:rPr lang="zh-CN" altLang="en-US" smtClean="0"/>
               <a:t>‹#›</a:t>
             </a:fld>
@@ -1461,7 +1461,7 @@
     </p:spTree>
     <p:extLst>
       <p:ext uri="{BB962C8B-B14F-4D97-AF65-F5344CB8AC3E}">
-        <p14:creationId xmlns:p14="http://schemas.microsoft.com/office/powerpoint/2010/main" val="2619506884"/>
+        <p14:creationId xmlns:p14="http://schemas.microsoft.com/office/powerpoint/2010/main" val="3826359385"/>
       </p:ext>
     </p:extLst>
   </p:cSld>
@@ -1493,7 +1493,7 @@
           <p:cNvPr id="2" name="标题 1">
             <a:extLst>
               <a:ext uri="{FF2B5EF4-FFF2-40B4-BE49-F238E27FC236}">
-                <a16:creationId xmlns:a16="http://schemas.microsoft.com/office/drawing/2014/main" id="{0187EAC7-C032-0D12-0F96-C928A53F8957}"/>
+                <a16:creationId xmlns:a16="http://schemas.microsoft.com/office/drawing/2014/main" id="{32BD80A8-468C-E54C-87DD-61DE27425B4B}"/>
               </a:ext>
             </a:extLst>
           </p:cNvPr>
@@ -1526,7 +1526,7 @@
           <p:cNvPr id="3" name="文本占位符 2">
             <a:extLst>
               <a:ext uri="{FF2B5EF4-FFF2-40B4-BE49-F238E27FC236}">
-                <a16:creationId xmlns:a16="http://schemas.microsoft.com/office/drawing/2014/main" id="{9C298892-76D6-783D-A804-F9BD49BC343E}"/>
+                <a16:creationId xmlns:a16="http://schemas.microsoft.com/office/drawing/2014/main" id="{2F39F5FA-B85A-4C4D-79BD-4C74247553A6}"/>
               </a:ext>
             </a:extLst>
           </p:cNvPr>
@@ -1597,7 +1597,7 @@
           <p:cNvPr id="4" name="内容占位符 3">
             <a:extLst>
               <a:ext uri="{FF2B5EF4-FFF2-40B4-BE49-F238E27FC236}">
-                <a16:creationId xmlns:a16="http://schemas.microsoft.com/office/drawing/2014/main" id="{74053B14-93C2-F2AD-33B3-6C99FD3743D9}"/>
+                <a16:creationId xmlns:a16="http://schemas.microsoft.com/office/drawing/2014/main" id="{13597358-E4A3-BE65-5251-255421EB2C20}"/>
               </a:ext>
             </a:extLst>
           </p:cNvPr>
@@ -1659,7 +1659,7 @@
           <p:cNvPr id="5" name="文本占位符 4">
             <a:extLst>
               <a:ext uri="{FF2B5EF4-FFF2-40B4-BE49-F238E27FC236}">
-                <a16:creationId xmlns:a16="http://schemas.microsoft.com/office/drawing/2014/main" id="{4F522E92-3FD8-4F07-CC22-FA83C80F72E5}"/>
+                <a16:creationId xmlns:a16="http://schemas.microsoft.com/office/drawing/2014/main" id="{FE78240B-E431-2168-1CDD-9BD978F9332A}"/>
               </a:ext>
             </a:extLst>
           </p:cNvPr>
@@ -1730,7 +1730,7 @@
           <p:cNvPr id="6" name="内容占位符 5">
             <a:extLst>
               <a:ext uri="{FF2B5EF4-FFF2-40B4-BE49-F238E27FC236}">
-                <a16:creationId xmlns:a16="http://schemas.microsoft.com/office/drawing/2014/main" id="{53AAFE6F-8A67-904E-3C80-1F49AE68AE5D}"/>
+                <a16:creationId xmlns:a16="http://schemas.microsoft.com/office/drawing/2014/main" id="{CBDE73F3-8600-D715-D483-60933FF20B44}"/>
               </a:ext>
             </a:extLst>
           </p:cNvPr>
@@ -1792,7 +1792,7 @@
           <p:cNvPr id="7" name="日期占位符 6">
             <a:extLst>
               <a:ext uri="{FF2B5EF4-FFF2-40B4-BE49-F238E27FC236}">
-                <a16:creationId xmlns:a16="http://schemas.microsoft.com/office/drawing/2014/main" id="{A8AF12FD-6D89-498D-6546-353698C99A55}"/>
+                <a16:creationId xmlns:a16="http://schemas.microsoft.com/office/drawing/2014/main" id="{16C43E50-7A8C-0A21-4104-5086922473AF}"/>
               </a:ext>
             </a:extLst>
           </p:cNvPr>
@@ -1808,7 +1808,7 @@
           <a:bodyPr/>
           <a:lstStyle/>
           <a:p>
-            <a:fld id="{2860CA3B-FC83-44D5-92B5-B40A92ECA5A2}" type="datetimeFigureOut">
+            <a:fld id="{8D72A439-7966-4EA2-BA92-8E54B34D4AB0}" type="datetimeFigureOut">
               <a:rPr lang="zh-CN" altLang="en-US" smtClean="0"/>
               <a:t>2024/3/10</a:t>
             </a:fld>
@@ -1821,7 +1821,7 @@
           <p:cNvPr id="8" name="页脚占位符 7">
             <a:extLst>
               <a:ext uri="{FF2B5EF4-FFF2-40B4-BE49-F238E27FC236}">
-                <a16:creationId xmlns:a16="http://schemas.microsoft.com/office/drawing/2014/main" id="{85D7CA4D-B76D-5D28-9DB0-E3ECE0DD793F}"/>
+                <a16:creationId xmlns:a16="http://schemas.microsoft.com/office/drawing/2014/main" id="{137CF32C-9276-0D08-0D97-6391E61FDC9B}"/>
               </a:ext>
             </a:extLst>
           </p:cNvPr>
@@ -1846,7 +1846,7 @@
           <p:cNvPr id="9" name="灯片编号占位符 8">
             <a:extLst>
               <a:ext uri="{FF2B5EF4-FFF2-40B4-BE49-F238E27FC236}">
-                <a16:creationId xmlns:a16="http://schemas.microsoft.com/office/drawing/2014/main" id="{F7851DEA-A313-BBB3-889B-762150D8243F}"/>
+                <a16:creationId xmlns:a16="http://schemas.microsoft.com/office/drawing/2014/main" id="{551F68BD-5026-E009-2B05-86DCF0AEA728}"/>
               </a:ext>
             </a:extLst>
           </p:cNvPr>
@@ -1862,7 +1862,7 @@
           <a:bodyPr/>
           <a:lstStyle/>
           <a:p>
-            <a:fld id="{EC72F86E-3271-4231-BE8E-6C10F592FA3A}" type="slidenum">
+            <a:fld id="{1A58A3BE-7E89-47CD-8413-8ADC15BCC46C}" type="slidenum">
               <a:rPr lang="zh-CN" altLang="en-US" smtClean="0"/>
               <a:t>‹#›</a:t>
             </a:fld>
@@ -1873,7 +1873,7 @@
     </p:spTree>
     <p:extLst>
       <p:ext uri="{BB962C8B-B14F-4D97-AF65-F5344CB8AC3E}">
-        <p14:creationId xmlns:p14="http://schemas.microsoft.com/office/powerpoint/2010/main" val="4266795239"/>
+        <p14:creationId xmlns:p14="http://schemas.microsoft.com/office/powerpoint/2010/main" val="122380594"/>
       </p:ext>
     </p:extLst>
   </p:cSld>
@@ -1905,7 +1905,7 @@
           <p:cNvPr id="2" name="标题 1">
             <a:extLst>
               <a:ext uri="{FF2B5EF4-FFF2-40B4-BE49-F238E27FC236}">
-                <a16:creationId xmlns:a16="http://schemas.microsoft.com/office/drawing/2014/main" id="{EECD61D6-E8E7-E40B-EB92-5CAF42797019}"/>
+                <a16:creationId xmlns:a16="http://schemas.microsoft.com/office/drawing/2014/main" id="{DF848D49-B355-8EE6-D443-9E8F37C7F9A0}"/>
               </a:ext>
             </a:extLst>
           </p:cNvPr>
@@ -1933,7 +1933,7 @@
           <p:cNvPr id="3" name="日期占位符 2">
             <a:extLst>
               <a:ext uri="{FF2B5EF4-FFF2-40B4-BE49-F238E27FC236}">
-                <a16:creationId xmlns:a16="http://schemas.microsoft.com/office/drawing/2014/main" id="{1A6CE247-FE8D-4948-2C28-D4B07B6A50ED}"/>
+                <a16:creationId xmlns:a16="http://schemas.microsoft.com/office/drawing/2014/main" id="{BFC34FF8-29F9-056D-B2FE-6C9FC71D3746}"/>
               </a:ext>
             </a:extLst>
           </p:cNvPr>
@@ -1949,7 +1949,7 @@
           <a:bodyPr/>
           <a:lstStyle/>
           <a:p>
-            <a:fld id="{2860CA3B-FC83-44D5-92B5-B40A92ECA5A2}" type="datetimeFigureOut">
+            <a:fld id="{8D72A439-7966-4EA2-BA92-8E54B34D4AB0}" type="datetimeFigureOut">
               <a:rPr lang="zh-CN" altLang="en-US" smtClean="0"/>
               <a:t>2024/3/10</a:t>
             </a:fld>
@@ -1962,7 +1962,7 @@
           <p:cNvPr id="4" name="页脚占位符 3">
             <a:extLst>
               <a:ext uri="{FF2B5EF4-FFF2-40B4-BE49-F238E27FC236}">
-                <a16:creationId xmlns:a16="http://schemas.microsoft.com/office/drawing/2014/main" id="{BF3B53E8-A174-0C0B-23DB-0235E045D5B9}"/>
+                <a16:creationId xmlns:a16="http://schemas.microsoft.com/office/drawing/2014/main" id="{1C5FD9CB-80F6-4803-DBBE-11012B84D47F}"/>
               </a:ext>
             </a:extLst>
           </p:cNvPr>
@@ -1987,7 +1987,7 @@
           <p:cNvPr id="5" name="灯片编号占位符 4">
             <a:extLst>
               <a:ext uri="{FF2B5EF4-FFF2-40B4-BE49-F238E27FC236}">
-                <a16:creationId xmlns:a16="http://schemas.microsoft.com/office/drawing/2014/main" id="{62BD0F3B-8D4B-2C62-4566-63EE0A65A802}"/>
+                <a16:creationId xmlns:a16="http://schemas.microsoft.com/office/drawing/2014/main" id="{25A3094B-F807-CAC9-A471-0A2E41CD2C85}"/>
               </a:ext>
             </a:extLst>
           </p:cNvPr>
@@ -2003,7 +2003,7 @@
           <a:bodyPr/>
           <a:lstStyle/>
           <a:p>
-            <a:fld id="{EC72F86E-3271-4231-BE8E-6C10F592FA3A}" type="slidenum">
+            <a:fld id="{1A58A3BE-7E89-47CD-8413-8ADC15BCC46C}" type="slidenum">
               <a:rPr lang="zh-CN" altLang="en-US" smtClean="0"/>
               <a:t>‹#›</a:t>
             </a:fld>
@@ -2014,7 +2014,7 @@
     </p:spTree>
     <p:extLst>
       <p:ext uri="{BB962C8B-B14F-4D97-AF65-F5344CB8AC3E}">
-        <p14:creationId xmlns:p14="http://schemas.microsoft.com/office/powerpoint/2010/main" val="3507413273"/>
+        <p14:creationId xmlns:p14="http://schemas.microsoft.com/office/powerpoint/2010/main" val="2582780290"/>
       </p:ext>
     </p:extLst>
   </p:cSld>
@@ -2046,7 +2046,7 @@
           <p:cNvPr id="2" name="日期占位符 1">
             <a:extLst>
               <a:ext uri="{FF2B5EF4-FFF2-40B4-BE49-F238E27FC236}">
-                <a16:creationId xmlns:a16="http://schemas.microsoft.com/office/drawing/2014/main" id="{17C607A0-6A95-111F-383A-508F2A0DAECD}"/>
+                <a16:creationId xmlns:a16="http://schemas.microsoft.com/office/drawing/2014/main" id="{2C0AD1C9-CD44-6B36-38DE-B3D0D42D4402}"/>
               </a:ext>
             </a:extLst>
           </p:cNvPr>
@@ -2062,7 +2062,7 @@
           <a:bodyPr/>
           <a:lstStyle/>
           <a:p>
-            <a:fld id="{2860CA3B-FC83-44D5-92B5-B40A92ECA5A2}" type="datetimeFigureOut">
+            <a:fld id="{8D72A439-7966-4EA2-BA92-8E54B34D4AB0}" type="datetimeFigureOut">
               <a:rPr lang="zh-CN" altLang="en-US" smtClean="0"/>
               <a:t>2024/3/10</a:t>
             </a:fld>
@@ -2075,7 +2075,7 @@
           <p:cNvPr id="3" name="页脚占位符 2">
             <a:extLst>
               <a:ext uri="{FF2B5EF4-FFF2-40B4-BE49-F238E27FC236}">
-                <a16:creationId xmlns:a16="http://schemas.microsoft.com/office/drawing/2014/main" id="{073FC53A-4FA8-4102-0643-135EE2E35B6F}"/>
+                <a16:creationId xmlns:a16="http://schemas.microsoft.com/office/drawing/2014/main" id="{0CE44D50-BA38-C72F-48BF-BBF3EB8E5BDE}"/>
               </a:ext>
             </a:extLst>
           </p:cNvPr>
@@ -2100,7 +2100,7 @@
           <p:cNvPr id="4" name="灯片编号占位符 3">
             <a:extLst>
               <a:ext uri="{FF2B5EF4-FFF2-40B4-BE49-F238E27FC236}">
-                <a16:creationId xmlns:a16="http://schemas.microsoft.com/office/drawing/2014/main" id="{098B44C5-C5E4-E62A-33BC-4381C7EBB0F6}"/>
+                <a16:creationId xmlns:a16="http://schemas.microsoft.com/office/drawing/2014/main" id="{258E9D03-2A83-A71E-0FAD-F2CE4FD782B5}"/>
               </a:ext>
             </a:extLst>
           </p:cNvPr>
@@ -2116,7 +2116,7 @@
           <a:bodyPr/>
           <a:lstStyle/>
           <a:p>
-            <a:fld id="{EC72F86E-3271-4231-BE8E-6C10F592FA3A}" type="slidenum">
+            <a:fld id="{1A58A3BE-7E89-47CD-8413-8ADC15BCC46C}" type="slidenum">
               <a:rPr lang="zh-CN" altLang="en-US" smtClean="0"/>
               <a:t>‹#›</a:t>
             </a:fld>
@@ -2127,7 +2127,7 @@
     </p:spTree>
     <p:extLst>
       <p:ext uri="{BB962C8B-B14F-4D97-AF65-F5344CB8AC3E}">
-        <p14:creationId xmlns:p14="http://schemas.microsoft.com/office/powerpoint/2010/main" val="3396230868"/>
+        <p14:creationId xmlns:p14="http://schemas.microsoft.com/office/powerpoint/2010/main" val="1878965383"/>
       </p:ext>
     </p:extLst>
   </p:cSld>
@@ -2159,7 +2159,7 @@
           <p:cNvPr id="2" name="标题 1">
             <a:extLst>
               <a:ext uri="{FF2B5EF4-FFF2-40B4-BE49-F238E27FC236}">
-                <a16:creationId xmlns:a16="http://schemas.microsoft.com/office/drawing/2014/main" id="{CBEF9FAA-14D5-8CF4-2EF4-D8AF14A3D4E3}"/>
+                <a16:creationId xmlns:a16="http://schemas.microsoft.com/office/drawing/2014/main" id="{5BCA8428-0EDB-74F7-200A-AEB67A7494F5}"/>
               </a:ext>
             </a:extLst>
           </p:cNvPr>
@@ -2196,7 +2196,7 @@
           <p:cNvPr id="3" name="内容占位符 2">
             <a:extLst>
               <a:ext uri="{FF2B5EF4-FFF2-40B4-BE49-F238E27FC236}">
-                <a16:creationId xmlns:a16="http://schemas.microsoft.com/office/drawing/2014/main" id="{EB6EC8FB-373B-08D9-70C8-7714414DB7A9}"/>
+                <a16:creationId xmlns:a16="http://schemas.microsoft.com/office/drawing/2014/main" id="{69C5A613-7747-74ED-F998-5782D231B08D}"/>
               </a:ext>
             </a:extLst>
           </p:cNvPr>
@@ -2286,7 +2286,7 @@
           <p:cNvPr id="4" name="文本占位符 3">
             <a:extLst>
               <a:ext uri="{FF2B5EF4-FFF2-40B4-BE49-F238E27FC236}">
-                <a16:creationId xmlns:a16="http://schemas.microsoft.com/office/drawing/2014/main" id="{3AD779D1-21E8-F3B2-3BCA-F47EB55423DD}"/>
+                <a16:creationId xmlns:a16="http://schemas.microsoft.com/office/drawing/2014/main" id="{838FE15A-B38F-9B1A-448F-27F58323AFFE}"/>
               </a:ext>
             </a:extLst>
           </p:cNvPr>
@@ -2357,7 +2357,7 @@
           <p:cNvPr id="5" name="日期占位符 4">
             <a:extLst>
               <a:ext uri="{FF2B5EF4-FFF2-40B4-BE49-F238E27FC236}">
-                <a16:creationId xmlns:a16="http://schemas.microsoft.com/office/drawing/2014/main" id="{DE7B4136-971F-DDAF-116B-33E68C98578E}"/>
+                <a16:creationId xmlns:a16="http://schemas.microsoft.com/office/drawing/2014/main" id="{C457F621-D25B-10B5-9E69-140C982DF2FE}"/>
               </a:ext>
             </a:extLst>
           </p:cNvPr>
@@ -2373,7 +2373,7 @@
           <a:bodyPr/>
           <a:lstStyle/>
           <a:p>
-            <a:fld id="{2860CA3B-FC83-44D5-92B5-B40A92ECA5A2}" type="datetimeFigureOut">
+            <a:fld id="{8D72A439-7966-4EA2-BA92-8E54B34D4AB0}" type="datetimeFigureOut">
               <a:rPr lang="zh-CN" altLang="en-US" smtClean="0"/>
               <a:t>2024/3/10</a:t>
             </a:fld>
@@ -2386,7 +2386,7 @@
           <p:cNvPr id="6" name="页脚占位符 5">
             <a:extLst>
               <a:ext uri="{FF2B5EF4-FFF2-40B4-BE49-F238E27FC236}">
-                <a16:creationId xmlns:a16="http://schemas.microsoft.com/office/drawing/2014/main" id="{44F82C99-B017-5524-3805-3E9DD053D0E7}"/>
+                <a16:creationId xmlns:a16="http://schemas.microsoft.com/office/drawing/2014/main" id="{C99E809C-2844-DD60-B79A-4246882AA939}"/>
               </a:ext>
             </a:extLst>
           </p:cNvPr>
@@ -2411,7 +2411,7 @@
           <p:cNvPr id="7" name="灯片编号占位符 6">
             <a:extLst>
               <a:ext uri="{FF2B5EF4-FFF2-40B4-BE49-F238E27FC236}">
-                <a16:creationId xmlns:a16="http://schemas.microsoft.com/office/drawing/2014/main" id="{7D55B27B-53F4-3BA9-87E2-F71AB66A522B}"/>
+                <a16:creationId xmlns:a16="http://schemas.microsoft.com/office/drawing/2014/main" id="{1BC6CD94-C97A-2DD8-64A5-5B314848D20F}"/>
               </a:ext>
             </a:extLst>
           </p:cNvPr>
@@ -2427,7 +2427,7 @@
           <a:bodyPr/>
           <a:lstStyle/>
           <a:p>
-            <a:fld id="{EC72F86E-3271-4231-BE8E-6C10F592FA3A}" type="slidenum">
+            <a:fld id="{1A58A3BE-7E89-47CD-8413-8ADC15BCC46C}" type="slidenum">
               <a:rPr lang="zh-CN" altLang="en-US" smtClean="0"/>
               <a:t>‹#›</a:t>
             </a:fld>
@@ -2438,7 +2438,7 @@
     </p:spTree>
     <p:extLst>
       <p:ext uri="{BB962C8B-B14F-4D97-AF65-F5344CB8AC3E}">
-        <p14:creationId xmlns:p14="http://schemas.microsoft.com/office/powerpoint/2010/main" val="878062623"/>
+        <p14:creationId xmlns:p14="http://schemas.microsoft.com/office/powerpoint/2010/main" val="2125116030"/>
       </p:ext>
     </p:extLst>
   </p:cSld>
@@ -2470,7 +2470,7 @@
           <p:cNvPr id="2" name="标题 1">
             <a:extLst>
               <a:ext uri="{FF2B5EF4-FFF2-40B4-BE49-F238E27FC236}">
-                <a16:creationId xmlns:a16="http://schemas.microsoft.com/office/drawing/2014/main" id="{133730BC-B562-848C-6E94-3DCDDBF47ACC}"/>
+                <a16:creationId xmlns:a16="http://schemas.microsoft.com/office/drawing/2014/main" id="{CF51C579-115D-7010-F129-535001E7E0E4}"/>
               </a:ext>
             </a:extLst>
           </p:cNvPr>
@@ -2507,7 +2507,7 @@
           <p:cNvPr id="3" name="图片占位符 2">
             <a:extLst>
               <a:ext uri="{FF2B5EF4-FFF2-40B4-BE49-F238E27FC236}">
-                <a16:creationId xmlns:a16="http://schemas.microsoft.com/office/drawing/2014/main" id="{D4237FAA-E6F4-BD17-F66A-4F51916DBEE4}"/>
+                <a16:creationId xmlns:a16="http://schemas.microsoft.com/office/drawing/2014/main" id="{CFB14055-9C03-42C1-09B8-823711B44459}"/>
               </a:ext>
             </a:extLst>
           </p:cNvPr>
@@ -2574,7 +2574,7 @@
           <p:cNvPr id="4" name="文本占位符 3">
             <a:extLst>
               <a:ext uri="{FF2B5EF4-FFF2-40B4-BE49-F238E27FC236}">
-                <a16:creationId xmlns:a16="http://schemas.microsoft.com/office/drawing/2014/main" id="{ED214738-A474-11C5-355F-5D2A09ACC00A}"/>
+                <a16:creationId xmlns:a16="http://schemas.microsoft.com/office/drawing/2014/main" id="{669F4F7B-57B5-1D5B-4A83-A39F9D0FA2EF}"/>
               </a:ext>
             </a:extLst>
           </p:cNvPr>
@@ -2645,7 +2645,7 @@
           <p:cNvPr id="5" name="日期占位符 4">
             <a:extLst>
               <a:ext uri="{FF2B5EF4-FFF2-40B4-BE49-F238E27FC236}">
-                <a16:creationId xmlns:a16="http://schemas.microsoft.com/office/drawing/2014/main" id="{3BF1BA8E-95B9-35D5-CC32-9BF21379C7CF}"/>
+                <a16:creationId xmlns:a16="http://schemas.microsoft.com/office/drawing/2014/main" id="{882EBFF8-00C6-E8A9-2622-A9A0BD9C5547}"/>
               </a:ext>
             </a:extLst>
           </p:cNvPr>
@@ -2661,7 +2661,7 @@
           <a:bodyPr/>
           <a:lstStyle/>
           <a:p>
-            <a:fld id="{2860CA3B-FC83-44D5-92B5-B40A92ECA5A2}" type="datetimeFigureOut">
+            <a:fld id="{8D72A439-7966-4EA2-BA92-8E54B34D4AB0}" type="datetimeFigureOut">
               <a:rPr lang="zh-CN" altLang="en-US" smtClean="0"/>
               <a:t>2024/3/10</a:t>
             </a:fld>
@@ -2674,7 +2674,7 @@
           <p:cNvPr id="6" name="页脚占位符 5">
             <a:extLst>
               <a:ext uri="{FF2B5EF4-FFF2-40B4-BE49-F238E27FC236}">
-                <a16:creationId xmlns:a16="http://schemas.microsoft.com/office/drawing/2014/main" id="{5E72B68A-42B2-BB42-9454-2E917F417C65}"/>
+                <a16:creationId xmlns:a16="http://schemas.microsoft.com/office/drawing/2014/main" id="{1B9520E4-5D59-6A65-3034-28FE2316878E}"/>
               </a:ext>
             </a:extLst>
           </p:cNvPr>
@@ -2699,7 +2699,7 @@
           <p:cNvPr id="7" name="灯片编号占位符 6">
             <a:extLst>
               <a:ext uri="{FF2B5EF4-FFF2-40B4-BE49-F238E27FC236}">
-                <a16:creationId xmlns:a16="http://schemas.microsoft.com/office/drawing/2014/main" id="{068C2AA4-A03F-18B2-5989-E0C6D08BF9D8}"/>
+                <a16:creationId xmlns:a16="http://schemas.microsoft.com/office/drawing/2014/main" id="{254FB9ED-E531-69DE-DA18-D92DAFB3F96C}"/>
               </a:ext>
             </a:extLst>
           </p:cNvPr>
@@ -2715,7 +2715,7 @@
           <a:bodyPr/>
           <a:lstStyle/>
           <a:p>
-            <a:fld id="{EC72F86E-3271-4231-BE8E-6C10F592FA3A}" type="slidenum">
+            <a:fld id="{1A58A3BE-7E89-47CD-8413-8ADC15BCC46C}" type="slidenum">
               <a:rPr lang="zh-CN" altLang="en-US" smtClean="0"/>
               <a:t>‹#›</a:t>
             </a:fld>
@@ -2726,7 +2726,7 @@
     </p:spTree>
     <p:extLst>
       <p:ext uri="{BB962C8B-B14F-4D97-AF65-F5344CB8AC3E}">
-        <p14:creationId xmlns:p14="http://schemas.microsoft.com/office/powerpoint/2010/main" val="4096251099"/>
+        <p14:creationId xmlns:p14="http://schemas.microsoft.com/office/powerpoint/2010/main" val="1040887259"/>
       </p:ext>
     </p:extLst>
   </p:cSld>
@@ -2763,7 +2763,7 @@
           <p:cNvPr id="2" name="标题占位符 1">
             <a:extLst>
               <a:ext uri="{FF2B5EF4-FFF2-40B4-BE49-F238E27FC236}">
-                <a16:creationId xmlns:a16="http://schemas.microsoft.com/office/drawing/2014/main" id="{79E7D0CE-C60C-908E-81D3-B851D0F73495}"/>
+                <a16:creationId xmlns:a16="http://schemas.microsoft.com/office/drawing/2014/main" id="{372B0262-916C-A0FA-7B12-9F61D6288E13}"/>
               </a:ext>
             </a:extLst>
           </p:cNvPr>
@@ -2801,7 +2801,7 @@
           <p:cNvPr id="3" name="文本占位符 2">
             <a:extLst>
               <a:ext uri="{FF2B5EF4-FFF2-40B4-BE49-F238E27FC236}">
-                <a16:creationId xmlns:a16="http://schemas.microsoft.com/office/drawing/2014/main" id="{B9E09F85-8E09-A3DC-FE9D-1837A27D6BFF}"/>
+                <a16:creationId xmlns:a16="http://schemas.microsoft.com/office/drawing/2014/main" id="{934D98A1-FBC5-40DA-1DDB-474F1325DFA7}"/>
               </a:ext>
             </a:extLst>
           </p:cNvPr>
@@ -2868,7 +2868,7 @@
           <p:cNvPr id="4" name="日期占位符 3">
             <a:extLst>
               <a:ext uri="{FF2B5EF4-FFF2-40B4-BE49-F238E27FC236}">
-                <a16:creationId xmlns:a16="http://schemas.microsoft.com/office/drawing/2014/main" id="{89D85360-047C-9529-3A17-47AD5333BC6A}"/>
+                <a16:creationId xmlns:a16="http://schemas.microsoft.com/office/drawing/2014/main" id="{B1CA43FF-C5FA-F2FB-371E-90987C7B63D8}"/>
               </a:ext>
             </a:extLst>
           </p:cNvPr>
@@ -2902,7 +2902,7 @@
             </a:lvl1pPr>
           </a:lstStyle>
           <a:p>
-            <a:fld id="{2860CA3B-FC83-44D5-92B5-B40A92ECA5A2}" type="datetimeFigureOut">
+            <a:fld id="{8D72A439-7966-4EA2-BA92-8E54B34D4AB0}" type="datetimeFigureOut">
               <a:rPr lang="zh-CN" altLang="en-US" smtClean="0"/>
               <a:t>2024/3/10</a:t>
             </a:fld>
@@ -2915,7 +2915,7 @@
           <p:cNvPr id="5" name="页脚占位符 4">
             <a:extLst>
               <a:ext uri="{FF2B5EF4-FFF2-40B4-BE49-F238E27FC236}">
-                <a16:creationId xmlns:a16="http://schemas.microsoft.com/office/drawing/2014/main" id="{D694FBF3-6EDB-6C9F-CCAC-7CEF365D2C42}"/>
+                <a16:creationId xmlns:a16="http://schemas.microsoft.com/office/drawing/2014/main" id="{C24B6A24-8501-66E0-4DA3-4AB807632FFC}"/>
               </a:ext>
             </a:extLst>
           </p:cNvPr>
@@ -2958,7 +2958,7 @@
           <p:cNvPr id="6" name="灯片编号占位符 5">
             <a:extLst>
               <a:ext uri="{FF2B5EF4-FFF2-40B4-BE49-F238E27FC236}">
-                <a16:creationId xmlns:a16="http://schemas.microsoft.com/office/drawing/2014/main" id="{DBBCAFDE-0F0C-29DD-E4A1-E90F0CCB5F88}"/>
+                <a16:creationId xmlns:a16="http://schemas.microsoft.com/office/drawing/2014/main" id="{BD220170-535D-C5F1-5BF1-EE155A1BC217}"/>
               </a:ext>
             </a:extLst>
           </p:cNvPr>
@@ -2992,7 +2992,7 @@
             </a:lvl1pPr>
           </a:lstStyle>
           <a:p>
-            <a:fld id="{EC72F86E-3271-4231-BE8E-6C10F592FA3A}" type="slidenum">
+            <a:fld id="{1A58A3BE-7E89-47CD-8413-8ADC15BCC46C}" type="slidenum">
               <a:rPr lang="zh-CN" altLang="en-US" smtClean="0"/>
               <a:t>‹#›</a:t>
             </a:fld>
@@ -3003,7 +3003,7 @@
     </p:spTree>
     <p:extLst>
       <p:ext uri="{BB962C8B-B14F-4D97-AF65-F5344CB8AC3E}">
-        <p14:creationId xmlns:p14="http://schemas.microsoft.com/office/powerpoint/2010/main" val="8674822"/>
+        <p14:creationId xmlns:p14="http://schemas.microsoft.com/office/powerpoint/2010/main" val="3593798899"/>
       </p:ext>
     </p:extLst>
   </p:cSld>
